--- a/lesson06.pptx
+++ b/lesson06.pptx
@@ -212,7 +212,7 @@
 <file path=ppt/revisionInfo.xml><?xml version="1.0" encoding="utf-8"?>
 <p1510:revInfo xmlns:a="http://schemas.openxmlformats.org/drawingml/2006/main" xmlns:r="http://schemas.openxmlformats.org/officeDocument/2006/relationships" xmlns:p1510="http://schemas.microsoft.com/office/powerpoint/2015/10/main">
   <p1510:revLst>
-    <p1510:client id="{50A7107B-A2A6-4228-9331-570764E93B59}" v="1" dt="2021-10-24T19:27:28.229"/>
+    <p1510:client id="{50A7107B-A2A6-4228-9331-570764E93B59}" v="2" dt="2021-10-25T05:22:58.788"/>
   </p1510:revLst>
 </p1510:revInfo>
 </file>
@@ -289,19 +289,34 @@
   </pc:docChgLst>
   <pc:docChgLst>
     <pc:chgData name="Anatoliy Kigel" userId="7432c6c4687b0a9c" providerId="LiveId" clId="{50A7107B-A2A6-4228-9331-570764E93B59}"/>
-    <pc:docChg chg="modSld">
-      <pc:chgData name="Anatoliy Kigel" userId="7432c6c4687b0a9c" providerId="LiveId" clId="{50A7107B-A2A6-4228-9331-570764E93B59}" dt="2021-10-24T19:29:37.173" v="153" actId="14100"/>
+    <pc:docChg chg="undo custSel modSld">
+      <pc:chgData name="Anatoliy Kigel" userId="7432c6c4687b0a9c" providerId="LiveId" clId="{50A7107B-A2A6-4228-9331-570764E93B59}" dt="2021-10-25T05:23:00.379" v="174" actId="6549"/>
       <pc:docMkLst>
         <pc:docMk/>
       </pc:docMkLst>
+      <pc:sldChg chg="modSp mod">
+        <pc:chgData name="Anatoliy Kigel" userId="7432c6c4687b0a9c" providerId="LiveId" clId="{50A7107B-A2A6-4228-9331-570764E93B59}" dt="2021-10-25T05:23:00.379" v="174" actId="6549"/>
+        <pc:sldMkLst>
+          <pc:docMk/>
+          <pc:sldMk cId="1053936968" sldId="350"/>
+        </pc:sldMkLst>
+        <pc:spChg chg="mod">
+          <ac:chgData name="Anatoliy Kigel" userId="7432c6c4687b0a9c" providerId="LiveId" clId="{50A7107B-A2A6-4228-9331-570764E93B59}" dt="2021-10-25T05:23:00.379" v="174" actId="6549"/>
+          <ac:spMkLst>
+            <pc:docMk/>
+            <pc:sldMk cId="1053936968" sldId="350"/>
+            <ac:spMk id="7" creationId="{00000000-0000-0000-0000-000000000000}"/>
+          </ac:spMkLst>
+        </pc:spChg>
+      </pc:sldChg>
       <pc:sldChg chg="addSp delSp modSp mod">
-        <pc:chgData name="Anatoliy Kigel" userId="7432c6c4687b0a9c" providerId="LiveId" clId="{50A7107B-A2A6-4228-9331-570764E93B59}" dt="2021-10-24T19:29:37.173" v="153" actId="14100"/>
+        <pc:chgData name="Anatoliy Kigel" userId="7432c6c4687b0a9c" providerId="LiveId" clId="{50A7107B-A2A6-4228-9331-570764E93B59}" dt="2021-10-25T05:21:43.800" v="171" actId="20577"/>
         <pc:sldMkLst>
           <pc:docMk/>
           <pc:sldMk cId="2729612447" sldId="381"/>
         </pc:sldMkLst>
         <pc:spChg chg="mod">
-          <ac:chgData name="Anatoliy Kigel" userId="7432c6c4687b0a9c" providerId="LiveId" clId="{50A7107B-A2A6-4228-9331-570764E93B59}" dt="2021-10-24T19:29:37.173" v="153" actId="14100"/>
+          <ac:chgData name="Anatoliy Kigel" userId="7432c6c4687b0a9c" providerId="LiveId" clId="{50A7107B-A2A6-4228-9331-570764E93B59}" dt="2021-10-25T05:21:21.131" v="164" actId="1076"/>
           <ac:spMkLst>
             <pc:docMk/>
             <pc:sldMk cId="2729612447" sldId="381"/>
@@ -309,7 +324,7 @@
           </ac:spMkLst>
         </pc:spChg>
         <pc:spChg chg="add mod">
-          <ac:chgData name="Anatoliy Kigel" userId="7432c6c4687b0a9c" providerId="LiveId" clId="{50A7107B-A2A6-4228-9331-570764E93B59}" dt="2021-10-24T19:29:33.123" v="152" actId="1036"/>
+          <ac:chgData name="Anatoliy Kigel" userId="7432c6c4687b0a9c" providerId="LiveId" clId="{50A7107B-A2A6-4228-9331-570764E93B59}" dt="2021-10-25T05:21:43.800" v="171" actId="20577"/>
           <ac:spMkLst>
             <pc:docMk/>
             <pc:sldMk cId="2729612447" sldId="381"/>
@@ -413,7 +428,7 @@
             <a:fld id="{85522811-C5C6-42D2-A409-F8556720C93F}" type="datetimeFigureOut">
               <a:rPr lang="uk-UA" smtClean="0"/>
               <a:pPr/>
-              <a:t>24.10.2021</a:t>
+              <a:t>25.10.2021</a:t>
             </a:fld>
             <a:endParaRPr lang="uk-UA"/>
           </a:p>
@@ -1043,7 +1058,7 @@
             <a:fld id="{E6FC6B0D-6115-4D7C-8040-9C8E2349BB6E}" type="datetime1">
               <a:rPr lang="uk-UA" smtClean="0"/>
               <a:pPr/>
-              <a:t>24.10.2021</a:t>
+              <a:t>25.10.2021</a:t>
             </a:fld>
             <a:endParaRPr lang="uk-UA"/>
           </a:p>
@@ -1210,7 +1225,7 @@
             <a:fld id="{996367BA-0A39-4DE2-BFC3-D5290044365E}" type="datetime1">
               <a:rPr lang="uk-UA" smtClean="0"/>
               <a:pPr/>
-              <a:t>24.10.2021</a:t>
+              <a:t>25.10.2021</a:t>
             </a:fld>
             <a:endParaRPr lang="uk-UA"/>
           </a:p>
@@ -1387,7 +1402,7 @@
             <a:fld id="{1BD6A67F-6C29-47DC-AF8A-FDB3C787DF70}" type="datetime1">
               <a:rPr lang="uk-UA" smtClean="0"/>
               <a:pPr/>
-              <a:t>24.10.2021</a:t>
+              <a:t>25.10.2021</a:t>
             </a:fld>
             <a:endParaRPr lang="uk-UA"/>
           </a:p>
@@ -1554,7 +1569,7 @@
             <a:fld id="{1657D9C5-7FF1-434F-B56E-9BAD559744E9}" type="datetime1">
               <a:rPr lang="uk-UA" smtClean="0"/>
               <a:pPr/>
-              <a:t>24.10.2021</a:t>
+              <a:t>25.10.2021</a:t>
             </a:fld>
             <a:endParaRPr lang="uk-UA"/>
           </a:p>
@@ -1797,7 +1812,7 @@
             <a:fld id="{2CEB0FC9-DE63-476B-A1A9-BE934D9049F8}" type="datetime1">
               <a:rPr lang="uk-UA" smtClean="0"/>
               <a:pPr/>
-              <a:t>24.10.2021</a:t>
+              <a:t>25.10.2021</a:t>
             </a:fld>
             <a:endParaRPr lang="uk-UA"/>
           </a:p>
@@ -2082,7 +2097,7 @@
             <a:fld id="{F964460F-86E2-4DF6-9D0F-12F5005CF375}" type="datetime1">
               <a:rPr lang="uk-UA" smtClean="0"/>
               <a:pPr/>
-              <a:t>24.10.2021</a:t>
+              <a:t>25.10.2021</a:t>
             </a:fld>
             <a:endParaRPr lang="uk-UA"/>
           </a:p>
@@ -2501,7 +2516,7 @@
             <a:fld id="{C521715E-DDCD-4267-B0A5-2918B6F6768A}" type="datetime1">
               <a:rPr lang="uk-UA" smtClean="0"/>
               <a:pPr/>
-              <a:t>24.10.2021</a:t>
+              <a:t>25.10.2021</a:t>
             </a:fld>
             <a:endParaRPr lang="uk-UA"/>
           </a:p>
@@ -2616,7 +2631,7 @@
             <a:fld id="{9289842C-EB2D-4EBB-A272-2F6A49D9794D}" type="datetime1">
               <a:rPr lang="uk-UA" smtClean="0"/>
               <a:pPr/>
-              <a:t>24.10.2021</a:t>
+              <a:t>25.10.2021</a:t>
             </a:fld>
             <a:endParaRPr lang="uk-UA"/>
           </a:p>
@@ -2708,7 +2723,7 @@
             <a:fld id="{D036F091-B700-4B52-99AC-85D0FD94D904}" type="datetime1">
               <a:rPr lang="uk-UA" smtClean="0"/>
               <a:pPr/>
-              <a:t>24.10.2021</a:t>
+              <a:t>25.10.2021</a:t>
             </a:fld>
             <a:endParaRPr lang="uk-UA"/>
           </a:p>
@@ -2982,7 +2997,7 @@
             <a:fld id="{B35DFABA-3811-4634-B803-2EAC4CD0063B}" type="datetime1">
               <a:rPr lang="uk-UA" smtClean="0"/>
               <a:pPr/>
-              <a:t>24.10.2021</a:t>
+              <a:t>25.10.2021</a:t>
             </a:fld>
             <a:endParaRPr lang="uk-UA"/>
           </a:p>
@@ -3232,7 +3247,7 @@
             <a:fld id="{8A9EA25E-F88E-463A-A119-D1E55A881002}" type="datetime1">
               <a:rPr lang="uk-UA" smtClean="0"/>
               <a:pPr/>
-              <a:t>24.10.2021</a:t>
+              <a:t>25.10.2021</a:t>
             </a:fld>
             <a:endParaRPr lang="uk-UA"/>
           </a:p>
@@ -3442,7 +3457,7 @@
             <a:fld id="{E708ED03-0080-49A2-B709-7DA4ACB3A1C3}" type="datetime1">
               <a:rPr lang="uk-UA" smtClean="0"/>
               <a:pPr/>
-              <a:t>24.10.2021</a:t>
+              <a:t>25.10.2021</a:t>
             </a:fld>
             <a:endParaRPr lang="uk-UA"/>
           </a:p>
@@ -8704,7 +8719,7 @@
         </p:nvSpPr>
         <p:spPr>
           <a:xfrm>
-            <a:off x="5879976" y="995999"/>
+            <a:off x="5879976" y="1207034"/>
             <a:ext cx="5256584" cy="1815882"/>
           </a:xfrm>
           <a:prstGeom prst="rect">
@@ -8794,8 +8809,8 @@
         </p:nvSpPr>
         <p:spPr>
           <a:xfrm>
-            <a:off x="5879976" y="3127608"/>
-            <a:ext cx="5331551" cy="2677656"/>
+            <a:off x="5878997" y="3578547"/>
+            <a:ext cx="5545595" cy="1815882"/>
           </a:xfrm>
           <a:prstGeom prst="rect">
             <a:avLst/>
@@ -8810,7 +8825,7 @@
           <a:p>
             <a:r>
               <a:rPr lang="ru-RU" sz="2800" dirty="0"/>
-              <a:t>Этот шаблон даст вам </a:t>
+              <a:t>Шаблон даст вам </a:t>
             </a:r>
             <a:r>
               <a:rPr lang="ru-RU" sz="2800" b="1" dirty="0"/>
@@ -8821,14 +8836,60 @@
               <a:t> </a:t>
             </a:r>
             <a:r>
-              <a:rPr lang="ru-RU" sz="2800" dirty="0">
-                <a:hlinkClick r:id="rId3"/>
+              <a:rPr lang="ru-RU" sz="2800" b="1" dirty="0">
+                <a:solidFill>
+                  <a:schemeClr val="accent6">
+                    <a:lumMod val="75000"/>
+                  </a:schemeClr>
+                </a:solidFill>
               </a:rPr>
-              <a:t>https://github.com/filebase-xyz/fb-header-demo-template/archive/master.zip</a:t>
+              <a:t>./</a:t>
+            </a:r>
+            <a:r>
+              <a:rPr lang="en-US" sz="2800" b="1" dirty="0" err="1">
+                <a:solidFill>
+                  <a:schemeClr val="accent6">
+                    <a:lumMod val="75000"/>
+                  </a:schemeClr>
+                </a:solidFill>
+              </a:rPr>
+              <a:t>css</a:t>
+            </a:r>
+            <a:r>
+              <a:rPr lang="en-US" sz="2800" b="1" dirty="0">
+                <a:solidFill>
+                  <a:schemeClr val="accent6">
+                    <a:lumMod val="75000"/>
+                  </a:schemeClr>
+                </a:solidFill>
+              </a:rPr>
+              <a:t>-selectors-master/</a:t>
+            </a:r>
+            <a:r>
+              <a:rPr lang="en-US" sz="2800" b="1" dirty="0">
+                <a:solidFill>
+                  <a:srgbClr val="00B050"/>
+                </a:solidFill>
+              </a:rPr>
+              <a:t>fb-header-demo</a:t>
+            </a:r>
+            <a:r>
+              <a:rPr lang="en-US" sz="2800" b="1" dirty="0">
+                <a:solidFill>
+                  <a:schemeClr val="accent6">
+                    <a:lumMod val="75000"/>
+                  </a:schemeClr>
+                </a:solidFill>
+              </a:rPr>
+              <a:t>-template</a:t>
+            </a:r>
+            <a:r>
+              <a:rPr lang="en-US" sz="2800" dirty="0"/>
+              <a:t> </a:t>
             </a:r>
             <a:r>
               <a:rPr lang="ru-RU" sz="2800" dirty="0"/>
-              <a:t> как реализовать верхнюю часть компонента.</a:t>
+              <a:t>как реализовать верхнюю часть компонента.</a:t>
             </a:r>
           </a:p>
         </p:txBody>
@@ -9370,7 +9431,7 @@
               <a:rPr lang="ru-RU" sz="2400" b="1" dirty="0"/>
             </a:br>
             <a:r>
-              <a:rPr lang="en-US" sz="2400" b="1">
+              <a:rPr lang="en-US" sz="2400" b="1" dirty="0">
                 <a:hlinkClick r:id="rId2"/>
               </a:rPr>
               <a:t>https://github.com/filebase-xyz/css-selectors/archive/v2021.zip</a:t>
